--- a/Mini Project 1.pptx
+++ b/Mini Project 1.pptx
@@ -752,7 +752,7 @@
           </a:bodyPr>
           <a:lstStyle/>
           <a:p>
-            <a:pPr indent="0" lvl="0" marL="0">
+            <a:pPr indent="0" lvl="0" marL="0" rtl="0" algn="l">
               <a:spcBef>
                 <a:spcPts val="0"/>
               </a:spcBef>
@@ -851,7 +851,7 @@
           </a:bodyPr>
           <a:lstStyle/>
           <a:p>
-            <a:pPr indent="0" lvl="0" marL="0">
+            <a:pPr indent="0" lvl="0" marL="0" rtl="0" algn="l">
               <a:spcBef>
                 <a:spcPts val="0"/>
               </a:spcBef>
@@ -950,7 +950,7 @@
           </a:bodyPr>
           <a:lstStyle/>
           <a:p>
-            <a:pPr indent="0" lvl="0" marL="0">
+            <a:pPr indent="0" lvl="0" marL="0" rtl="0" algn="l">
               <a:spcBef>
                 <a:spcPts val="0"/>
               </a:spcBef>
@@ -1049,7 +1049,7 @@
           </a:bodyPr>
           <a:lstStyle/>
           <a:p>
-            <a:pPr indent="0" lvl="0" marL="0">
+            <a:pPr indent="0" lvl="0" marL="0" rtl="0" algn="l">
               <a:spcBef>
                 <a:spcPts val="0"/>
               </a:spcBef>
@@ -1148,7 +1148,7 @@
           </a:bodyPr>
           <a:lstStyle/>
           <a:p>
-            <a:pPr indent="0" lvl="0" marL="0">
+            <a:pPr indent="0" lvl="0" marL="0" rtl="0" algn="l">
               <a:spcBef>
                 <a:spcPts val="0"/>
               </a:spcBef>
@@ -1247,7 +1247,7 @@
           </a:bodyPr>
           <a:lstStyle/>
           <a:p>
-            <a:pPr indent="0" lvl="0" marL="0">
+            <a:pPr indent="0" lvl="0" marL="0" rtl="0" algn="l">
               <a:spcBef>
                 <a:spcPts val="0"/>
               </a:spcBef>
@@ -1346,7 +1346,7 @@
           </a:bodyPr>
           <a:lstStyle/>
           <a:p>
-            <a:pPr indent="0" lvl="0" marL="0">
+            <a:pPr indent="0" lvl="0" marL="0" rtl="0" algn="l">
               <a:spcBef>
                 <a:spcPts val="0"/>
               </a:spcBef>
@@ -1445,7 +1445,7 @@
           </a:bodyPr>
           <a:lstStyle/>
           <a:p>
-            <a:pPr indent="0" lvl="0" marL="0">
+            <a:pPr indent="0" lvl="0" marL="0" rtl="0" algn="l">
               <a:spcBef>
                 <a:spcPts val="0"/>
               </a:spcBef>
@@ -1544,7 +1544,7 @@
           </a:bodyPr>
           <a:lstStyle/>
           <a:p>
-            <a:pPr indent="0" lvl="0" marL="0">
+            <a:pPr indent="0" lvl="0" marL="0" rtl="0" algn="l">
               <a:spcBef>
                 <a:spcPts val="0"/>
               </a:spcBef>
@@ -1643,7 +1643,7 @@
           </a:bodyPr>
           <a:lstStyle/>
           <a:p>
-            <a:pPr indent="0" lvl="0" marL="0">
+            <a:pPr indent="0" lvl="0" marL="0" rtl="0" algn="l">
               <a:spcBef>
                 <a:spcPts val="0"/>
               </a:spcBef>
@@ -2017,7 +2017,7 @@
             </a:lvl9pPr>
           </a:lstStyle>
           <a:p>
-            <a:pPr indent="0" lvl="0" marL="0">
+            <a:pPr indent="0" lvl="0" marL="0" rtl="0" algn="r">
               <a:spcBef>
                 <a:spcPts val="0"/>
               </a:spcBef>
@@ -2369,7 +2369,7 @@
             </a:lvl9pPr>
           </a:lstStyle>
           <a:p>
-            <a:pPr indent="0" lvl="0" marL="0">
+            <a:pPr indent="0" lvl="0" marL="0" rtl="0" algn="r">
               <a:spcBef>
                 <a:spcPts val="0"/>
               </a:spcBef>
@@ -2471,7 +2471,7 @@
             </a:lvl9pPr>
           </a:lstStyle>
           <a:p>
-            <a:pPr indent="0" lvl="0" marL="0">
+            <a:pPr indent="0" lvl="0" marL="0" rtl="0" algn="r">
               <a:spcBef>
                 <a:spcPts val="0"/>
               </a:spcBef>
@@ -2696,7 +2696,7 @@
             </a:lvl9pPr>
           </a:lstStyle>
           <a:p>
-            <a:pPr indent="0" lvl="0" marL="0">
+            <a:pPr indent="0" lvl="0" marL="0" rtl="0" algn="r">
               <a:spcBef>
                 <a:spcPts val="0"/>
               </a:spcBef>
@@ -3044,7 +3044,7 @@
             </a:lvl9pPr>
           </a:lstStyle>
           <a:p>
-            <a:pPr indent="0" lvl="0" marL="0">
+            <a:pPr indent="0" lvl="0" marL="0" rtl="0" algn="r">
               <a:spcBef>
                 <a:spcPts val="0"/>
               </a:spcBef>
@@ -3515,7 +3515,7 @@
             </a:lvl9pPr>
           </a:lstStyle>
           <a:p>
-            <a:pPr indent="0" lvl="0" marL="0">
+            <a:pPr indent="0" lvl="0" marL="0" rtl="0" algn="r">
               <a:spcBef>
                 <a:spcPts val="0"/>
               </a:spcBef>
@@ -3740,7 +3740,7 @@
             </a:lvl9pPr>
           </a:lstStyle>
           <a:p>
-            <a:pPr indent="0" lvl="0" marL="0">
+            <a:pPr indent="0" lvl="0" marL="0" rtl="0" algn="r">
               <a:spcBef>
                 <a:spcPts val="0"/>
               </a:spcBef>
@@ -4088,7 +4088,7 @@
             </a:lvl9pPr>
           </a:lstStyle>
           <a:p>
-            <a:pPr indent="0" lvl="0" marL="0">
+            <a:pPr indent="0" lvl="0" marL="0" rtl="0" algn="r">
               <a:spcBef>
                 <a:spcPts val="0"/>
               </a:spcBef>
@@ -4313,7 +4313,7 @@
             </a:lvl9pPr>
           </a:lstStyle>
           <a:p>
-            <a:pPr indent="0" lvl="0" marL="0">
+            <a:pPr indent="0" lvl="0" marL="0" rtl="0" algn="r">
               <a:spcBef>
                 <a:spcPts val="0"/>
               </a:spcBef>
@@ -4382,7 +4382,7 @@
           </a:bodyPr>
           <a:lstStyle/>
           <a:p>
-            <a:pPr indent="0" lvl="0" marL="0">
+            <a:pPr indent="0" lvl="0" marL="0" rtl="0" algn="l">
               <a:spcBef>
                 <a:spcPts val="0"/>
               </a:spcBef>
@@ -4854,7 +4854,7 @@
             </a:lvl9pPr>
           </a:lstStyle>
           <a:p>
-            <a:pPr indent="0" lvl="0" marL="0">
+            <a:pPr indent="0" lvl="0" marL="0" rtl="0" algn="r">
               <a:spcBef>
                 <a:spcPts val="0"/>
               </a:spcBef>
@@ -4994,7 +4994,7 @@
             </a:lvl9pPr>
           </a:lstStyle>
           <a:p>
-            <a:pPr indent="0" lvl="0" marL="0">
+            <a:pPr indent="0" lvl="0" marL="0" rtl="0" algn="r">
               <a:spcBef>
                 <a:spcPts val="0"/>
               </a:spcBef>
@@ -5550,7 +5550,7 @@
             </a:lvl9pPr>
           </a:lstStyle>
           <a:p>
-            <a:pPr indent="0" lvl="0" marL="0">
+            <a:pPr indent="0" lvl="0" marL="0" rtl="0" algn="r">
               <a:spcBef>
                 <a:spcPts val="0"/>
               </a:spcBef>
@@ -6303,7 +6303,7 @@
         </p:nvSpPr>
         <p:spPr>
           <a:xfrm>
-            <a:off x="311708" y="744575"/>
+            <a:off x="387908" y="592175"/>
             <a:ext cx="8520600" cy="2052600"/>
           </a:xfrm>
           <a:prstGeom prst="rect">
@@ -6316,7 +6316,7 @@
           </a:bodyPr>
           <a:lstStyle/>
           <a:p>
-            <a:pPr indent="0" lvl="0" marL="0">
+            <a:pPr indent="0" lvl="0" marL="0" rtl="0" algn="ctr">
               <a:spcBef>
                 <a:spcPts val="0"/>
               </a:spcBef>
@@ -6356,7 +6356,7 @@
           </a:bodyPr>
           <a:lstStyle/>
           <a:p>
-            <a:pPr indent="0" lvl="0" marL="0">
+            <a:pPr indent="0" lvl="0" marL="0" rtl="0" algn="ctr">
               <a:spcBef>
                 <a:spcPts val="0"/>
               </a:spcBef>
@@ -6420,7 +6420,7 @@
           </a:bodyPr>
           <a:lstStyle/>
           <a:p>
-            <a:pPr indent="0" lvl="0" marL="0">
+            <a:pPr indent="0" lvl="0" marL="0" rtl="0" algn="ctr">
               <a:spcBef>
                 <a:spcPts val="0"/>
               </a:spcBef>
@@ -6485,7 +6485,7 @@
           </a:bodyPr>
           <a:lstStyle/>
           <a:p>
-            <a:pPr indent="0" lvl="0" marL="0">
+            <a:pPr indent="0" lvl="0" marL="0" rtl="0" algn="l">
               <a:spcBef>
                 <a:spcPts val="0"/>
               </a:spcBef>
@@ -6512,7 +6512,7 @@
         </p:nvSpPr>
         <p:spPr>
           <a:xfrm>
-            <a:off x="311700" y="1152475"/>
+            <a:off x="311700" y="1228675"/>
             <a:ext cx="8520600" cy="3416400"/>
           </a:xfrm>
           <a:prstGeom prst="rect">
@@ -6525,7 +6525,7 @@
           </a:bodyPr>
           <a:lstStyle/>
           <a:p>
-            <a:pPr indent="-342900" lvl="0" marL="457200" rtl="0">
+            <a:pPr indent="-342900" lvl="0" marL="457200" rtl="0" algn="l">
               <a:spcBef>
                 <a:spcPts val="0"/>
               </a:spcBef>
@@ -6542,7 +6542,7 @@
             <a:endParaRPr/>
           </a:p>
           <a:p>
-            <a:pPr indent="-342900" lvl="0" marL="457200" rtl="0">
+            <a:pPr indent="-342900" lvl="0" marL="457200" rtl="0" algn="l">
               <a:spcBef>
                 <a:spcPts val="0"/>
               </a:spcBef>
@@ -6559,7 +6559,7 @@
             <a:endParaRPr/>
           </a:p>
           <a:p>
-            <a:pPr indent="-317500" lvl="1" marL="914400" rtl="0">
+            <a:pPr indent="-317500" lvl="1" marL="914400" rtl="0" algn="l">
               <a:spcBef>
                 <a:spcPts val="0"/>
               </a:spcBef>
@@ -6584,7 +6584,7 @@
             <a:endParaRPr/>
           </a:p>
           <a:p>
-            <a:pPr indent="-317500" lvl="1" marL="914400" rtl="0">
+            <a:pPr indent="-317500" lvl="1" marL="914400" rtl="0" algn="l">
               <a:spcBef>
                 <a:spcPts val="0"/>
               </a:spcBef>
@@ -6601,7 +6601,7 @@
             <a:endParaRPr/>
           </a:p>
           <a:p>
-            <a:pPr indent="-342900" lvl="0" marL="457200" rtl="0">
+            <a:pPr indent="-342900" lvl="0" marL="457200" rtl="0" algn="l">
               <a:spcBef>
                 <a:spcPts val="0"/>
               </a:spcBef>
@@ -6618,7 +6618,7 @@
             <a:endParaRPr/>
           </a:p>
           <a:p>
-            <a:pPr indent="-317500" lvl="1" marL="914400" rtl="0">
+            <a:pPr indent="-317500" lvl="1" marL="914400" rtl="0" algn="l">
               <a:spcBef>
                 <a:spcPts val="0"/>
               </a:spcBef>
@@ -6635,7 +6635,7 @@
             <a:endParaRPr/>
           </a:p>
           <a:p>
-            <a:pPr indent="-342900" lvl="0" marL="457200" rtl="0">
+            <a:pPr indent="-342900" lvl="0" marL="457200" rtl="0" algn="l">
               <a:spcBef>
                 <a:spcPts val="0"/>
               </a:spcBef>
@@ -6652,7 +6652,7 @@
             <a:endParaRPr/>
           </a:p>
           <a:p>
-            <a:pPr indent="-342900" lvl="0" marL="457200">
+            <a:pPr indent="-342900" lvl="0" marL="457200" rtl="0" algn="l">
               <a:spcBef>
                 <a:spcPts val="0"/>
               </a:spcBef>
@@ -6718,7 +6718,7 @@
           </a:bodyPr>
           <a:lstStyle/>
           <a:p>
-            <a:pPr indent="0" lvl="0" marL="0">
+            <a:pPr indent="0" lvl="0" marL="0" rtl="0" algn="l">
               <a:spcBef>
                 <a:spcPts val="0"/>
               </a:spcBef>
@@ -6758,7 +6758,7 @@
           </a:bodyPr>
           <a:lstStyle/>
           <a:p>
-            <a:pPr indent="0" lvl="0" marL="0">
+            <a:pPr indent="0" lvl="0" marL="0" rtl="0" algn="l">
               <a:spcBef>
                 <a:spcPts val="0"/>
               </a:spcBef>
@@ -6823,7 +6823,7 @@
           </a:bodyPr>
           <a:lstStyle/>
           <a:p>
-            <a:pPr indent="0" lvl="0" marL="0">
+            <a:pPr indent="0" lvl="0" marL="0" rtl="0" algn="l">
               <a:spcBef>
                 <a:spcPts val="0"/>
               </a:spcBef>
@@ -6863,7 +6863,7 @@
           </a:bodyPr>
           <a:lstStyle/>
           <a:p>
-            <a:pPr indent="-342900" lvl="0" marL="457200" rtl="0">
+            <a:pPr indent="-342900" lvl="0" marL="457200" rtl="0" algn="l">
               <a:spcBef>
                 <a:spcPts val="0"/>
               </a:spcBef>
@@ -6880,7 +6880,7 @@
             <a:endParaRPr/>
           </a:p>
           <a:p>
-            <a:pPr indent="-342900" lvl="0" marL="457200" rtl="0">
+            <a:pPr indent="-342900" lvl="0" marL="457200" rtl="0" algn="l">
               <a:spcBef>
                 <a:spcPts val="0"/>
               </a:spcBef>
@@ -6897,7 +6897,7 @@
             <a:endParaRPr/>
           </a:p>
           <a:p>
-            <a:pPr indent="-342900" lvl="0" marL="457200">
+            <a:pPr indent="-342900" lvl="0" marL="457200" rtl="0" algn="l">
               <a:spcBef>
                 <a:spcPts val="0"/>
               </a:spcBef>
@@ -6963,7 +6963,7 @@
           </a:bodyPr>
           <a:lstStyle/>
           <a:p>
-            <a:pPr indent="0" lvl="0" marL="0">
+            <a:pPr indent="0" lvl="0" marL="0" rtl="0" algn="l">
               <a:spcBef>
                 <a:spcPts val="0"/>
               </a:spcBef>
@@ -7003,7 +7003,7 @@
           </a:bodyPr>
           <a:lstStyle/>
           <a:p>
-            <a:pPr indent="-342900" lvl="0" marL="457200" rtl="0">
+            <a:pPr indent="-342900" lvl="0" marL="457200" rtl="0" algn="l">
               <a:spcBef>
                 <a:spcPts val="0"/>
               </a:spcBef>
@@ -7020,7 +7020,7 @@
             <a:endParaRPr/>
           </a:p>
           <a:p>
-            <a:pPr indent="-317500" lvl="1" marL="914400" rtl="0">
+            <a:pPr indent="-317500" lvl="1" marL="914400" rtl="0" algn="l">
               <a:spcBef>
                 <a:spcPts val="0"/>
               </a:spcBef>
@@ -7037,7 +7037,7 @@
             <a:endParaRPr/>
           </a:p>
           <a:p>
-            <a:pPr indent="-317500" lvl="1" marL="914400" rtl="0">
+            <a:pPr indent="-317500" lvl="1" marL="914400" rtl="0" algn="l">
               <a:spcBef>
                 <a:spcPts val="0"/>
               </a:spcBef>
@@ -7062,7 +7062,7 @@
             <a:endParaRPr/>
           </a:p>
           <a:p>
-            <a:pPr indent="-317500" lvl="1" marL="914400" rtl="0">
+            <a:pPr indent="-317500" lvl="1" marL="914400" rtl="0" algn="l">
               <a:spcBef>
                 <a:spcPts val="0"/>
               </a:spcBef>
@@ -7079,7 +7079,7 @@
             <a:endParaRPr/>
           </a:p>
           <a:p>
-            <a:pPr indent="-317500" lvl="1" marL="914400" rtl="0">
+            <a:pPr indent="-317500" lvl="1" marL="914400" rtl="0" algn="l">
               <a:spcBef>
                 <a:spcPts val="0"/>
               </a:spcBef>
@@ -7096,7 +7096,7 @@
             <a:endParaRPr/>
           </a:p>
           <a:p>
-            <a:pPr indent="-342900" lvl="0" marL="457200" rtl="0">
+            <a:pPr indent="-342900" lvl="0" marL="457200" rtl="0" algn="l">
               <a:spcBef>
                 <a:spcPts val="0"/>
               </a:spcBef>
@@ -7113,7 +7113,7 @@
             <a:endParaRPr/>
           </a:p>
           <a:p>
-            <a:pPr indent="-317500" lvl="1" marL="914400" rtl="0">
+            <a:pPr indent="-317500" lvl="1" marL="914400" rtl="0" algn="l">
               <a:spcBef>
                 <a:spcPts val="0"/>
               </a:spcBef>
@@ -7130,7 +7130,7 @@
             <a:endParaRPr/>
           </a:p>
           <a:p>
-            <a:pPr indent="-317500" lvl="1" marL="914400" rtl="0">
+            <a:pPr indent="-317500" lvl="1" marL="914400" rtl="0" algn="l">
               <a:spcBef>
                 <a:spcPts val="0"/>
               </a:spcBef>
@@ -7147,7 +7147,7 @@
             <a:endParaRPr/>
           </a:p>
           <a:p>
-            <a:pPr indent="-342900" lvl="0" marL="457200" rtl="0">
+            <a:pPr indent="-342900" lvl="0" marL="457200" rtl="0" algn="l">
               <a:spcBef>
                 <a:spcPts val="0"/>
               </a:spcBef>
@@ -7164,7 +7164,7 @@
             <a:endParaRPr/>
           </a:p>
           <a:p>
-            <a:pPr indent="-317500" lvl="1" marL="914400" rtl="0">
+            <a:pPr indent="-317500" lvl="1" marL="914400" rtl="0" algn="l">
               <a:spcBef>
                 <a:spcPts val="0"/>
               </a:spcBef>
@@ -7181,7 +7181,7 @@
             <a:endParaRPr/>
           </a:p>
           <a:p>
-            <a:pPr indent="-317500" lvl="1" marL="914400">
+            <a:pPr indent="-317500" lvl="1" marL="914400" rtl="0" algn="l">
               <a:spcBef>
                 <a:spcPts val="0"/>
               </a:spcBef>
@@ -7247,7 +7247,7 @@
           </a:bodyPr>
           <a:lstStyle/>
           <a:p>
-            <a:pPr indent="0" lvl="0" marL="0">
+            <a:pPr indent="0" lvl="0" marL="0" rtl="0" algn="l">
               <a:spcBef>
                 <a:spcPts val="0"/>
               </a:spcBef>
@@ -7287,7 +7287,7 @@
           </a:bodyPr>
           <a:lstStyle/>
           <a:p>
-            <a:pPr indent="-342900" lvl="0" marL="457200" rtl="0">
+            <a:pPr indent="-342900" lvl="0" marL="457200" rtl="0" algn="l">
               <a:spcBef>
                 <a:spcPts val="0"/>
               </a:spcBef>
@@ -7304,7 +7304,7 @@
             <a:endParaRPr/>
           </a:p>
           <a:p>
-            <a:pPr indent="-317500" lvl="1" marL="914400" rtl="0">
+            <a:pPr indent="-317500" lvl="1" marL="914400" rtl="0" algn="l">
               <a:spcBef>
                 <a:spcPts val="0"/>
               </a:spcBef>
@@ -7321,7 +7321,7 @@
             <a:endParaRPr/>
           </a:p>
           <a:p>
-            <a:pPr indent="-317500" lvl="1" marL="914400" rtl="0">
+            <a:pPr indent="-317500" lvl="1" marL="914400" rtl="0" algn="l">
               <a:spcBef>
                 <a:spcPts val="0"/>
               </a:spcBef>
@@ -7338,7 +7338,7 @@
             <a:endParaRPr/>
           </a:p>
           <a:p>
-            <a:pPr indent="-317500" lvl="1" marL="914400" rtl="0">
+            <a:pPr indent="-317500" lvl="1" marL="914400" rtl="0" algn="l">
               <a:spcBef>
                 <a:spcPts val="0"/>
               </a:spcBef>
@@ -7355,7 +7355,7 @@
             <a:endParaRPr/>
           </a:p>
           <a:p>
-            <a:pPr indent="-317500" lvl="1" marL="914400" rtl="0">
+            <a:pPr indent="-317500" lvl="1" marL="914400" rtl="0" algn="l">
               <a:spcBef>
                 <a:spcPts val="0"/>
               </a:spcBef>
@@ -7372,7 +7372,7 @@
             <a:endParaRPr/>
           </a:p>
           <a:p>
-            <a:pPr indent="-342900" lvl="0" marL="457200" rtl="0">
+            <a:pPr indent="-342900" lvl="0" marL="457200" rtl="0" algn="l">
               <a:spcBef>
                 <a:spcPts val="0"/>
               </a:spcBef>
@@ -7389,7 +7389,7 @@
             <a:endParaRPr/>
           </a:p>
           <a:p>
-            <a:pPr indent="-317500" lvl="1" marL="914400" rtl="0">
+            <a:pPr indent="-317500" lvl="1" marL="914400" rtl="0" algn="l">
               <a:spcBef>
                 <a:spcPts val="0"/>
               </a:spcBef>
@@ -7422,7 +7422,7 @@
             <a:endParaRPr/>
           </a:p>
           <a:p>
-            <a:pPr indent="-317500" lvl="1" marL="914400" rtl="0">
+            <a:pPr indent="-317500" lvl="1" marL="914400" rtl="0" algn="l">
               <a:spcBef>
                 <a:spcPts val="0"/>
               </a:spcBef>
@@ -7439,7 +7439,7 @@
             <a:endParaRPr/>
           </a:p>
           <a:p>
-            <a:pPr indent="-317500" lvl="1" marL="914400">
+            <a:pPr indent="-317500" lvl="1" marL="914400" rtl="0" algn="l">
               <a:spcBef>
                 <a:spcPts val="0"/>
               </a:spcBef>
@@ -7513,7 +7513,7 @@
           </a:bodyPr>
           <a:lstStyle/>
           <a:p>
-            <a:pPr indent="0" lvl="0" marL="0">
+            <a:pPr indent="0" lvl="0" marL="0" rtl="0" algn="l">
               <a:spcBef>
                 <a:spcPts val="0"/>
               </a:spcBef>
@@ -7553,7 +7553,7 @@
           </a:bodyPr>
           <a:lstStyle/>
           <a:p>
-            <a:pPr indent="-342900" lvl="0" marL="457200" rtl="0">
+            <a:pPr indent="-342900" lvl="0" marL="457200" rtl="0" algn="l">
               <a:spcBef>
                 <a:spcPts val="0"/>
               </a:spcBef>
@@ -7570,7 +7570,7 @@
             <a:endParaRPr/>
           </a:p>
           <a:p>
-            <a:pPr indent="-317500" lvl="1" marL="914400" rtl="0">
+            <a:pPr indent="-317500" lvl="1" marL="914400" rtl="0" algn="l">
               <a:spcBef>
                 <a:spcPts val="0"/>
               </a:spcBef>
@@ -7587,7 +7587,7 @@
             <a:endParaRPr/>
           </a:p>
           <a:p>
-            <a:pPr indent="-317500" lvl="1" marL="914400" rtl="0">
+            <a:pPr indent="-317500" lvl="1" marL="914400" rtl="0" algn="l">
               <a:spcBef>
                 <a:spcPts val="0"/>
               </a:spcBef>
@@ -7604,7 +7604,7 @@
             <a:endParaRPr/>
           </a:p>
           <a:p>
-            <a:pPr indent="-317500" lvl="1" marL="914400" rtl="0">
+            <a:pPr indent="-317500" lvl="1" marL="914400" rtl="0" algn="l">
               <a:spcBef>
                 <a:spcPts val="0"/>
               </a:spcBef>
@@ -7637,7 +7637,7 @@
             <a:endParaRPr/>
           </a:p>
           <a:p>
-            <a:pPr indent="-342900" lvl="0" marL="457200" rtl="0">
+            <a:pPr indent="-342900" lvl="0" marL="457200" rtl="0" algn="l">
               <a:spcBef>
                 <a:spcPts val="0"/>
               </a:spcBef>
@@ -7654,7 +7654,7 @@
             <a:endParaRPr/>
           </a:p>
           <a:p>
-            <a:pPr indent="-317500" lvl="1" marL="914400" rtl="0">
+            <a:pPr indent="-317500" lvl="1" marL="914400" rtl="0" algn="l">
               <a:spcBef>
                 <a:spcPts val="0"/>
               </a:spcBef>
@@ -7671,7 +7671,7 @@
             <a:endParaRPr/>
           </a:p>
           <a:p>
-            <a:pPr indent="-342900" lvl="0" marL="457200" rtl="0">
+            <a:pPr indent="-342900" lvl="0" marL="457200" rtl="0" algn="l">
               <a:spcBef>
                 <a:spcPts val="0"/>
               </a:spcBef>
@@ -7688,7 +7688,7 @@
             <a:endParaRPr/>
           </a:p>
           <a:p>
-            <a:pPr indent="-317500" lvl="1" marL="914400" rtl="0">
+            <a:pPr indent="-317500" lvl="1" marL="914400" rtl="0" algn="l">
               <a:spcBef>
                 <a:spcPts val="0"/>
               </a:spcBef>
@@ -7705,7 +7705,7 @@
             <a:endParaRPr/>
           </a:p>
           <a:p>
-            <a:pPr indent="-342900" lvl="0" marL="457200" rtl="0">
+            <a:pPr indent="-342900" lvl="0" marL="457200" rtl="0" algn="l">
               <a:spcBef>
                 <a:spcPts val="0"/>
               </a:spcBef>
@@ -7722,7 +7722,7 @@
             <a:endParaRPr/>
           </a:p>
           <a:p>
-            <a:pPr indent="-317500" lvl="1" marL="914400" rtl="0">
+            <a:pPr indent="-317500" lvl="1" marL="914400" rtl="0" algn="l">
               <a:spcBef>
                 <a:spcPts val="0"/>
               </a:spcBef>
@@ -7739,7 +7739,7 @@
             <a:endParaRPr/>
           </a:p>
           <a:p>
-            <a:pPr indent="-342900" lvl="0" marL="457200">
+            <a:pPr indent="-342900" lvl="0" marL="457200" rtl="0" algn="l">
               <a:spcBef>
                 <a:spcPts val="0"/>
               </a:spcBef>
@@ -7805,7 +7805,7 @@
           </a:bodyPr>
           <a:lstStyle/>
           <a:p>
-            <a:pPr indent="0" lvl="0" marL="0">
+            <a:pPr indent="0" lvl="0" marL="0" rtl="0" algn="l">
               <a:spcBef>
                 <a:spcPts val="0"/>
               </a:spcBef>
@@ -7845,7 +7845,7 @@
           </a:bodyPr>
           <a:lstStyle/>
           <a:p>
-            <a:pPr indent="-342900" lvl="0" marL="457200" rtl="0">
+            <a:pPr indent="-342900" lvl="0" marL="457200" rtl="0" algn="l">
               <a:spcBef>
                 <a:spcPts val="0"/>
               </a:spcBef>
@@ -7867,7 +7867,7 @@
             <a:endParaRPr/>
           </a:p>
           <a:p>
-            <a:pPr indent="-342900" lvl="0" marL="457200" rtl="0">
+            <a:pPr indent="-342900" lvl="0" marL="457200" rtl="0" algn="l">
               <a:spcBef>
                 <a:spcPts val="0"/>
               </a:spcBef>
@@ -7938,7 +7938,7 @@
           </a:bodyPr>
           <a:lstStyle/>
           <a:p>
-            <a:pPr indent="0" lvl="0" marL="0">
+            <a:pPr indent="0" lvl="0" marL="0" rtl="0" algn="l">
               <a:spcBef>
                 <a:spcPts val="0"/>
               </a:spcBef>
@@ -7978,7 +7978,7 @@
           </a:bodyPr>
           <a:lstStyle/>
           <a:p>
-            <a:pPr indent="0" lvl="0" marL="0">
+            <a:pPr indent="0" lvl="0" marL="0" rtl="0" algn="l">
               <a:spcBef>
                 <a:spcPts val="0"/>
               </a:spcBef>
@@ -7994,7 +7994,7 @@
             <a:endParaRPr/>
           </a:p>
           <a:p>
-            <a:pPr indent="0" lvl="0" marL="0">
+            <a:pPr indent="0" lvl="0" marL="0" rtl="0" algn="l">
               <a:spcBef>
                 <a:spcPts val="1600"/>
               </a:spcBef>
@@ -8019,7 +8019,7 @@
             <a:endParaRPr/>
           </a:p>
           <a:p>
-            <a:pPr indent="0" lvl="0" marL="0">
+            <a:pPr indent="0" lvl="0" marL="0" rtl="0" algn="l">
               <a:spcBef>
                 <a:spcPts val="1600"/>
               </a:spcBef>
@@ -8035,7 +8035,7 @@
             <a:endParaRPr/>
           </a:p>
           <a:p>
-            <a:pPr indent="0" lvl="0" marL="0">
+            <a:pPr indent="0" lvl="0" marL="0" rtl="0" algn="l">
               <a:spcBef>
                 <a:spcPts val="1600"/>
               </a:spcBef>
